--- a/Presentation.pptx
+++ b/Presentation.pptx
@@ -14,6 +14,7 @@
     <p:sldId id="262" r:id="rId8"/>
     <p:sldId id="263" r:id="rId9"/>
     <p:sldId id="264" r:id="rId10"/>
+    <p:sldId id="265" r:id="rId11"/>
   </p:sldIdLst>
   <p:sldSz cx="12192000" cy="6858000"/>
   <p:notesSz cx="6858000" cy="9144000"/>
@@ -112,6 +113,11 @@
       </a:defRPr>
     </a:lvl9pPr>
   </p:defaultTextStyle>
+  <p:extLst>
+    <p:ext uri="{EFAFB233-063F-42B5-8137-9DF3F51BA10A}">
+      <p15:sldGuideLst xmlns:p15="http://schemas.microsoft.com/office/powerpoint/2012/main"/>
+    </p:ext>
+  </p:extLst>
 </p:presentation>
 </file>
 
@@ -262,7 +268,7 @@
           <a:p>
             <a:fld id="{158FD2E7-69BF-4211-91E7-74D297C112D2}" type="datetimeFigureOut">
               <a:rPr lang="en-US" smtClean="0"/>
-              <a:t>12/30/2018</a:t>
+              <a:t>12/31/2018</a:t>
             </a:fld>
             <a:endParaRPr lang="en-US"/>
           </a:p>
@@ -460,7 +466,7 @@
           <a:p>
             <a:fld id="{158FD2E7-69BF-4211-91E7-74D297C112D2}" type="datetimeFigureOut">
               <a:rPr lang="en-US" smtClean="0"/>
-              <a:t>12/30/2018</a:t>
+              <a:t>12/31/2018</a:t>
             </a:fld>
             <a:endParaRPr lang="en-US"/>
           </a:p>
@@ -668,7 +674,7 @@
           <a:p>
             <a:fld id="{158FD2E7-69BF-4211-91E7-74D297C112D2}" type="datetimeFigureOut">
               <a:rPr lang="en-US" smtClean="0"/>
-              <a:t>12/30/2018</a:t>
+              <a:t>12/31/2018</a:t>
             </a:fld>
             <a:endParaRPr lang="en-US"/>
           </a:p>
@@ -866,7 +872,7 @@
           <a:p>
             <a:fld id="{158FD2E7-69BF-4211-91E7-74D297C112D2}" type="datetimeFigureOut">
               <a:rPr lang="en-US" smtClean="0"/>
-              <a:t>12/30/2018</a:t>
+              <a:t>12/31/2018</a:t>
             </a:fld>
             <a:endParaRPr lang="en-US"/>
           </a:p>
@@ -1141,7 +1147,7 @@
           <a:p>
             <a:fld id="{158FD2E7-69BF-4211-91E7-74D297C112D2}" type="datetimeFigureOut">
               <a:rPr lang="en-US" smtClean="0"/>
-              <a:t>12/30/2018</a:t>
+              <a:t>12/31/2018</a:t>
             </a:fld>
             <a:endParaRPr lang="en-US"/>
           </a:p>
@@ -1406,7 +1412,7 @@
           <a:p>
             <a:fld id="{158FD2E7-69BF-4211-91E7-74D297C112D2}" type="datetimeFigureOut">
               <a:rPr lang="en-US" smtClean="0"/>
-              <a:t>12/30/2018</a:t>
+              <a:t>12/31/2018</a:t>
             </a:fld>
             <a:endParaRPr lang="en-US"/>
           </a:p>
@@ -1818,7 +1824,7 @@
           <a:p>
             <a:fld id="{158FD2E7-69BF-4211-91E7-74D297C112D2}" type="datetimeFigureOut">
               <a:rPr lang="en-US" smtClean="0"/>
-              <a:t>12/30/2018</a:t>
+              <a:t>12/31/2018</a:t>
             </a:fld>
             <a:endParaRPr lang="en-US"/>
           </a:p>
@@ -1959,7 +1965,7 @@
           <a:p>
             <a:fld id="{158FD2E7-69BF-4211-91E7-74D297C112D2}" type="datetimeFigureOut">
               <a:rPr lang="en-US" smtClean="0"/>
-              <a:t>12/30/2018</a:t>
+              <a:t>12/31/2018</a:t>
             </a:fld>
             <a:endParaRPr lang="en-US"/>
           </a:p>
@@ -2072,7 +2078,7 @@
           <a:p>
             <a:fld id="{158FD2E7-69BF-4211-91E7-74D297C112D2}" type="datetimeFigureOut">
               <a:rPr lang="en-US" smtClean="0"/>
-              <a:t>12/30/2018</a:t>
+              <a:t>12/31/2018</a:t>
             </a:fld>
             <a:endParaRPr lang="en-US"/>
           </a:p>
@@ -2383,7 +2389,7 @@
           <a:p>
             <a:fld id="{158FD2E7-69BF-4211-91E7-74D297C112D2}" type="datetimeFigureOut">
               <a:rPr lang="en-US" smtClean="0"/>
-              <a:t>12/30/2018</a:t>
+              <a:t>12/31/2018</a:t>
             </a:fld>
             <a:endParaRPr lang="en-US"/>
           </a:p>
@@ -2671,7 +2677,7 @@
           <a:p>
             <a:fld id="{158FD2E7-69BF-4211-91E7-74D297C112D2}" type="datetimeFigureOut">
               <a:rPr lang="en-US" smtClean="0"/>
-              <a:t>12/30/2018</a:t>
+              <a:t>12/31/2018</a:t>
             </a:fld>
             <a:endParaRPr lang="en-US"/>
           </a:p>
@@ -2912,7 +2918,7 @@
           <a:p>
             <a:fld id="{158FD2E7-69BF-4211-91E7-74D297C112D2}" type="datetimeFigureOut">
               <a:rPr lang="en-US" smtClean="0"/>
-              <a:t>12/30/2018</a:t>
+              <a:t>12/31/2018</a:t>
             </a:fld>
             <a:endParaRPr lang="en-US"/>
           </a:p>
@@ -3737,6 +3743,122 @@
 </p:sld>
 </file>
 
+<file path=ppt/slides/slide10.xml><?xml version="1.0" encoding="utf-8"?>
+<p:sld xmlns:a="http://schemas.openxmlformats.org/drawingml/2006/main" xmlns:r="http://schemas.openxmlformats.org/officeDocument/2006/relationships" xmlns:p="http://schemas.openxmlformats.org/presentationml/2006/main">
+  <p:cSld>
+    <p:spTree>
+      <p:nvGrpSpPr>
+        <p:cNvPr id="1" name=""/>
+        <p:cNvGrpSpPr/>
+        <p:nvPr/>
+      </p:nvGrpSpPr>
+      <p:grpSpPr>
+        <a:xfrm>
+          <a:off x="0" y="0"/>
+          <a:ext cx="0" cy="0"/>
+          <a:chOff x="0" y="0"/>
+          <a:chExt cx="0" cy="0"/>
+        </a:xfrm>
+      </p:grpSpPr>
+      <p:sp>
+        <p:nvSpPr>
+          <p:cNvPr id="2" name="Title 1">
+            <a:extLst>
+              <a:ext uri="{FF2B5EF4-FFF2-40B4-BE49-F238E27FC236}">
+                <a16:creationId xmlns:a16="http://schemas.microsoft.com/office/drawing/2014/main" id="{F6FE539A-A164-4140-B732-AB54B7D32E07}"/>
+              </a:ext>
+            </a:extLst>
+          </p:cNvPr>
+          <p:cNvSpPr>
+            <a:spLocks noGrp="1"/>
+          </p:cNvSpPr>
+          <p:nvPr>
+            <p:ph type="title"/>
+          </p:nvPr>
+        </p:nvSpPr>
+        <p:spPr/>
+        <p:txBody>
+          <a:bodyPr/>
+          <a:lstStyle/>
+          <a:p>
+            <a:r>
+              <a:rPr lang="en-US" dirty="0"/>
+              <a:t>References / Resources: </a:t>
+            </a:r>
+          </a:p>
+        </p:txBody>
+      </p:sp>
+      <p:sp>
+        <p:nvSpPr>
+          <p:cNvPr id="3" name="Content Placeholder 2">
+            <a:extLst>
+              <a:ext uri="{FF2B5EF4-FFF2-40B4-BE49-F238E27FC236}">
+                <a16:creationId xmlns:a16="http://schemas.microsoft.com/office/drawing/2014/main" id="{89F65B40-E6E9-4F58-9F59-72D4A9E58630}"/>
+              </a:ext>
+            </a:extLst>
+          </p:cNvPr>
+          <p:cNvSpPr>
+            <a:spLocks noGrp="1"/>
+          </p:cNvSpPr>
+          <p:nvPr>
+            <p:ph idx="1"/>
+          </p:nvPr>
+        </p:nvSpPr>
+        <p:spPr/>
+        <p:txBody>
+          <a:bodyPr/>
+          <a:lstStyle/>
+          <a:p>
+            <a:r>
+              <a:rPr lang="en-US" dirty="0">
+                <a:hlinkClick r:id="rId2"/>
+              </a:rPr>
+              <a:t>GitHub Repository</a:t>
+            </a:r>
+            <a:endParaRPr lang="en-US" dirty="0"/>
+          </a:p>
+          <a:p>
+            <a:r>
+              <a:rPr lang="en-US" dirty="0">
+                <a:hlinkClick r:id="rId3"/>
+              </a:rPr>
+              <a:t>Codebook</a:t>
+            </a:r>
+            <a:endParaRPr lang="en-US" dirty="0"/>
+          </a:p>
+          <a:p>
+            <a:r>
+              <a:rPr lang="en-US" dirty="0">
+                <a:hlinkClick r:id="rId4"/>
+              </a:rPr>
+              <a:t>R Markdown File</a:t>
+            </a:r>
+            <a:endParaRPr lang="en-US" dirty="0"/>
+          </a:p>
+          <a:p>
+            <a:r>
+              <a:rPr lang="en-US" dirty="0">
+                <a:hlinkClick r:id="rId5"/>
+              </a:rPr>
+              <a:t>Data Sources</a:t>
+            </a:r>
+            <a:endParaRPr lang="en-US" dirty="0"/>
+          </a:p>
+        </p:txBody>
+      </p:sp>
+    </p:spTree>
+    <p:extLst>
+      <p:ext uri="{BB962C8B-B14F-4D97-AF65-F5344CB8AC3E}">
+        <p14:creationId xmlns:p14="http://schemas.microsoft.com/office/powerpoint/2010/main" val="1875694749"/>
+      </p:ext>
+    </p:extLst>
+  </p:cSld>
+  <p:clrMapOvr>
+    <a:masterClrMapping/>
+  </p:clrMapOvr>
+</p:sld>
+</file>
+
 <file path=ppt/slides/slide2.xml><?xml version="1.0" encoding="utf-8"?>
 <p:sld xmlns:a="http://schemas.openxmlformats.org/drawingml/2006/main" xmlns:r="http://schemas.openxmlformats.org/officeDocument/2006/relationships" xmlns:p="http://schemas.openxmlformats.org/presentationml/2006/main">
   <p:cSld>
@@ -5482,6 +5604,68 @@
           </a:prstGeom>
         </p:spPr>
       </p:pic>
+      <p:sp>
+        <p:nvSpPr>
+          <p:cNvPr id="3" name="TextBox 2">
+            <a:extLst>
+              <a:ext uri="{FF2B5EF4-FFF2-40B4-BE49-F238E27FC236}">
+                <a16:creationId xmlns:a16="http://schemas.microsoft.com/office/drawing/2014/main" id="{AFFE1B8C-B73E-4D70-B223-CCCC9195ED3A}"/>
+              </a:ext>
+            </a:extLst>
+          </p:cNvPr>
+          <p:cNvSpPr txBox="1"/>
+          <p:nvPr/>
+        </p:nvSpPr>
+        <p:spPr>
+          <a:xfrm>
+            <a:off x="6634524" y="2065275"/>
+            <a:ext cx="5159686" cy="4247317"/>
+          </a:xfrm>
+          <a:prstGeom prst="rect">
+            <a:avLst/>
+          </a:prstGeom>
+          <a:noFill/>
+        </p:spPr>
+        <p:txBody>
+          <a:bodyPr wrap="square" rtlCol="0">
+            <a:spAutoFit/>
+          </a:bodyPr>
+          <a:lstStyle/>
+          <a:p>
+            <a:r>
+              <a:rPr lang="en-US" dirty="0"/>
+              <a:t>The normalized scatter / density plot to the left seem to indicate some relationship between IBU and ABV . The relationship does appear to be generally linear. </a:t>
+            </a:r>
+          </a:p>
+          <a:p>
+            <a:endParaRPr lang="en-US" dirty="0"/>
+          </a:p>
+          <a:p>
+            <a:r>
+              <a:rPr lang="en-US" dirty="0"/>
+              <a:t>Additional statistical analysis indicates a definite correlation between these two variables (Correlation Coefficient R = 0.67). </a:t>
+            </a:r>
+          </a:p>
+          <a:p>
+            <a:endParaRPr lang="en-US" dirty="0"/>
+          </a:p>
+          <a:p>
+            <a:r>
+              <a:rPr lang="en-US" dirty="0"/>
+              <a:t>Based on these results, we believe that targeting an ABV value for Pale as a Ghost Pale Ale of between 0.05 and 0.07 will also provide an IBU value that is right in the Median range. </a:t>
+            </a:r>
+          </a:p>
+          <a:p>
+            <a:endParaRPr lang="en-US" dirty="0"/>
+          </a:p>
+          <a:p>
+            <a:r>
+              <a:rPr lang="en-US" dirty="0"/>
+              <a:t>Conveniently, the median IBU for Massachusetts is about 35, right in our range! </a:t>
+            </a:r>
+          </a:p>
+        </p:txBody>
+      </p:sp>
     </p:spTree>
     <p:extLst>
       <p:ext uri="{BB962C8B-B14F-4D97-AF65-F5344CB8AC3E}">

--- a/Presentation.pptx
+++ b/Presentation.pptx
@@ -268,7 +268,7 @@
           <a:p>
             <a:fld id="{158FD2E7-69BF-4211-91E7-74D297C112D2}" type="datetimeFigureOut">
               <a:rPr lang="en-US" smtClean="0"/>
-              <a:t>12/31/2018</a:t>
+              <a:t>1/3/2019</a:t>
             </a:fld>
             <a:endParaRPr lang="en-US"/>
           </a:p>
@@ -466,7 +466,7 @@
           <a:p>
             <a:fld id="{158FD2E7-69BF-4211-91E7-74D297C112D2}" type="datetimeFigureOut">
               <a:rPr lang="en-US" smtClean="0"/>
-              <a:t>12/31/2018</a:t>
+              <a:t>1/3/2019</a:t>
             </a:fld>
             <a:endParaRPr lang="en-US"/>
           </a:p>
@@ -674,7 +674,7 @@
           <a:p>
             <a:fld id="{158FD2E7-69BF-4211-91E7-74D297C112D2}" type="datetimeFigureOut">
               <a:rPr lang="en-US" smtClean="0"/>
-              <a:t>12/31/2018</a:t>
+              <a:t>1/3/2019</a:t>
             </a:fld>
             <a:endParaRPr lang="en-US"/>
           </a:p>
@@ -872,7 +872,7 @@
           <a:p>
             <a:fld id="{158FD2E7-69BF-4211-91E7-74D297C112D2}" type="datetimeFigureOut">
               <a:rPr lang="en-US" smtClean="0"/>
-              <a:t>12/31/2018</a:t>
+              <a:t>1/3/2019</a:t>
             </a:fld>
             <a:endParaRPr lang="en-US"/>
           </a:p>
@@ -1147,7 +1147,7 @@
           <a:p>
             <a:fld id="{158FD2E7-69BF-4211-91E7-74D297C112D2}" type="datetimeFigureOut">
               <a:rPr lang="en-US" smtClean="0"/>
-              <a:t>12/31/2018</a:t>
+              <a:t>1/3/2019</a:t>
             </a:fld>
             <a:endParaRPr lang="en-US"/>
           </a:p>
@@ -1412,7 +1412,7 @@
           <a:p>
             <a:fld id="{158FD2E7-69BF-4211-91E7-74D297C112D2}" type="datetimeFigureOut">
               <a:rPr lang="en-US" smtClean="0"/>
-              <a:t>12/31/2018</a:t>
+              <a:t>1/3/2019</a:t>
             </a:fld>
             <a:endParaRPr lang="en-US"/>
           </a:p>
@@ -1824,7 +1824,7 @@
           <a:p>
             <a:fld id="{158FD2E7-69BF-4211-91E7-74D297C112D2}" type="datetimeFigureOut">
               <a:rPr lang="en-US" smtClean="0"/>
-              <a:t>12/31/2018</a:t>
+              <a:t>1/3/2019</a:t>
             </a:fld>
             <a:endParaRPr lang="en-US"/>
           </a:p>
@@ -1965,7 +1965,7 @@
           <a:p>
             <a:fld id="{158FD2E7-69BF-4211-91E7-74D297C112D2}" type="datetimeFigureOut">
               <a:rPr lang="en-US" smtClean="0"/>
-              <a:t>12/31/2018</a:t>
+              <a:t>1/3/2019</a:t>
             </a:fld>
             <a:endParaRPr lang="en-US"/>
           </a:p>
@@ -2078,7 +2078,7 @@
           <a:p>
             <a:fld id="{158FD2E7-69BF-4211-91E7-74D297C112D2}" type="datetimeFigureOut">
               <a:rPr lang="en-US" smtClean="0"/>
-              <a:t>12/31/2018</a:t>
+              <a:t>1/3/2019</a:t>
             </a:fld>
             <a:endParaRPr lang="en-US"/>
           </a:p>
@@ -2389,7 +2389,7 @@
           <a:p>
             <a:fld id="{158FD2E7-69BF-4211-91E7-74D297C112D2}" type="datetimeFigureOut">
               <a:rPr lang="en-US" smtClean="0"/>
-              <a:t>12/31/2018</a:t>
+              <a:t>1/3/2019</a:t>
             </a:fld>
             <a:endParaRPr lang="en-US"/>
           </a:p>
@@ -2677,7 +2677,7 @@
           <a:p>
             <a:fld id="{158FD2E7-69BF-4211-91E7-74D297C112D2}" type="datetimeFigureOut">
               <a:rPr lang="en-US" smtClean="0"/>
-              <a:t>12/31/2018</a:t>
+              <a:t>1/3/2019</a:t>
             </a:fld>
             <a:endParaRPr lang="en-US"/>
           </a:p>
@@ -2918,7 +2918,7 @@
           <a:p>
             <a:fld id="{158FD2E7-69BF-4211-91E7-74D297C112D2}" type="datetimeFigureOut">
               <a:rPr lang="en-US" smtClean="0"/>
-              <a:t>12/31/2018</a:t>
+              <a:t>1/3/2019</a:t>
             </a:fld>
             <a:endParaRPr lang="en-US"/>
           </a:p>
@@ -3391,7 +3391,7 @@
           <a:p>
             <a:r>
               <a:rPr lang="en-US" dirty="0"/>
-              <a:t>unique(Consulting Services), LLC</a:t>
+              <a:t>unique(Data Consulting), LLC</a:t>
             </a:r>
           </a:p>
           <a:p>
@@ -3730,6 +3730,42 @@
           </a:p>
         </p:txBody>
       </p:sp>
+      <p:pic>
+        <p:nvPicPr>
+          <p:cNvPr id="7" name="Picture 6" descr="A close up of a logo&#10;&#10;Description automatically generated">
+            <a:extLst>
+              <a:ext uri="{FF2B5EF4-FFF2-40B4-BE49-F238E27FC236}">
+                <a16:creationId xmlns:a16="http://schemas.microsoft.com/office/drawing/2014/main" id="{4F18A481-CD83-4008-8745-35D54043D6E8}"/>
+              </a:ext>
+            </a:extLst>
+          </p:cNvPr>
+          <p:cNvPicPr>
+            <a:picLocks noChangeAspect="1"/>
+          </p:cNvPicPr>
+          <p:nvPr/>
+        </p:nvPicPr>
+        <p:blipFill>
+          <a:blip r:embed="rId4">
+            <a:extLst>
+              <a:ext uri="{28A0092B-C50C-407E-A947-70E740481C1C}">
+                <a14:useLocalDpi xmlns:a14="http://schemas.microsoft.com/office/drawing/2010/main" val="0"/>
+              </a:ext>
+            </a:extLst>
+          </a:blip>
+          <a:stretch>
+            <a:fillRect/>
+          </a:stretch>
+        </p:blipFill>
+        <p:spPr>
+          <a:xfrm>
+            <a:off x="8857785" y="0"/>
+            <a:ext cx="3334215" cy="1905266"/>
+          </a:xfrm>
+          <a:prstGeom prst="rect">
+            <a:avLst/>
+          </a:prstGeom>
+        </p:spPr>
+      </p:pic>
     </p:spTree>
     <p:extLst>
       <p:ext uri="{BB962C8B-B14F-4D97-AF65-F5344CB8AC3E}">
@@ -3746,6 +3782,14 @@
 <file path=ppt/slides/slide10.xml><?xml version="1.0" encoding="utf-8"?>
 <p:sld xmlns:a="http://schemas.openxmlformats.org/drawingml/2006/main" xmlns:r="http://schemas.openxmlformats.org/officeDocument/2006/relationships" xmlns:p="http://schemas.openxmlformats.org/presentationml/2006/main">
   <p:cSld>
+    <p:bg>
+      <p:bgPr>
+        <a:solidFill>
+          <a:schemeClr val="bg1"/>
+        </a:solidFill>
+        <a:effectLst/>
+      </p:bgPr>
+    </p:bg>
     <p:spTree>
       <p:nvGrpSpPr>
         <p:cNvPr id="1" name=""/>
@@ -3776,9 +3820,16 @@
             <p:ph type="title"/>
           </p:nvPr>
         </p:nvSpPr>
-        <p:spPr/>
-        <p:txBody>
-          <a:bodyPr/>
+        <p:spPr>
+          <a:xfrm>
+            <a:off x="1136428" y="627564"/>
+            <a:ext cx="7474172" cy="1325563"/>
+          </a:xfrm>
+        </p:spPr>
+        <p:txBody>
+          <a:bodyPr>
+            <a:normAutofit/>
+          </a:bodyPr>
           <a:lstStyle/>
           <a:p>
             <a:r>
@@ -3804,48 +3855,219 @@
             <p:ph idx="1"/>
           </p:nvPr>
         </p:nvSpPr>
-        <p:spPr/>
-        <p:txBody>
-          <a:bodyPr/>
-          <a:lstStyle/>
-          <a:p>
-            <a:r>
-              <a:rPr lang="en-US" dirty="0">
+        <p:spPr>
+          <a:xfrm>
+            <a:off x="1136429" y="2278173"/>
+            <a:ext cx="6467867" cy="3450613"/>
+          </a:xfrm>
+        </p:spPr>
+        <p:txBody>
+          <a:bodyPr anchor="ctr">
+            <a:normAutofit/>
+          </a:bodyPr>
+          <a:lstStyle/>
+          <a:p>
+            <a:r>
+              <a:rPr lang="en-US" sz="2400">
                 <a:hlinkClick r:id="rId2"/>
               </a:rPr>
               <a:t>GitHub Repository</a:t>
             </a:r>
-            <a:endParaRPr lang="en-US" dirty="0"/>
-          </a:p>
-          <a:p>
-            <a:r>
-              <a:rPr lang="en-US" dirty="0">
+            <a:endParaRPr lang="en-US" sz="2400"/>
+          </a:p>
+          <a:p>
+            <a:r>
+              <a:rPr lang="en-US" sz="2400">
                 <a:hlinkClick r:id="rId3"/>
               </a:rPr>
               <a:t>Codebook</a:t>
             </a:r>
-            <a:endParaRPr lang="en-US" dirty="0"/>
-          </a:p>
-          <a:p>
-            <a:r>
-              <a:rPr lang="en-US" dirty="0">
+            <a:endParaRPr lang="en-US" sz="2400"/>
+          </a:p>
+          <a:p>
+            <a:r>
+              <a:rPr lang="en-US" sz="2400">
                 <a:hlinkClick r:id="rId4"/>
               </a:rPr>
               <a:t>R Markdown File</a:t>
             </a:r>
-            <a:endParaRPr lang="en-US" dirty="0"/>
-          </a:p>
-          <a:p>
-            <a:r>
-              <a:rPr lang="en-US" dirty="0">
+            <a:endParaRPr lang="en-US" sz="2400"/>
+          </a:p>
+          <a:p>
+            <a:r>
+              <a:rPr lang="en-US" sz="2400">
                 <a:hlinkClick r:id="rId5"/>
               </a:rPr>
               <a:t>Data Sources</a:t>
             </a:r>
-            <a:endParaRPr lang="en-US" dirty="0"/>
-          </a:p>
-        </p:txBody>
-      </p:sp>
+            <a:endParaRPr lang="en-US" sz="2400"/>
+          </a:p>
+        </p:txBody>
+      </p:sp>
+      <p:sp>
+        <p:nvSpPr>
+          <p:cNvPr id="10" name="Rectangle 9">
+            <a:extLst>
+              <a:ext uri="{FF2B5EF4-FFF2-40B4-BE49-F238E27FC236}">
+                <a16:creationId xmlns:a16="http://schemas.microsoft.com/office/drawing/2014/main" id="{59A309A7-1751-4ABE-A3C1-EEC40366AD89}"/>
+              </a:ext>
+              <a:ext uri="{C183D7F6-B498-43B3-948B-1728B52AA6E4}">
+                <adec:decorative xmlns:adec="http://schemas.microsoft.com/office/drawing/2017/decorative" val="1"/>
+              </a:ext>
+            </a:extLst>
+          </p:cNvPr>
+          <p:cNvSpPr>
+            <a:spLocks noGrp="1" noRot="1" noChangeAspect="1" noMove="1" noResize="1" noEditPoints="1" noAdjustHandles="1" noChangeArrowheads="1" noChangeShapeType="1" noTextEdit="1"/>
+          </p:cNvSpPr>
+          <p:nvPr>
+            <p:extLst>
+              <p:ext uri="{386F3935-93C4-4BCD-93E2-E3B085C9AB24}">
+                <p16:designElem xmlns:p16="http://schemas.microsoft.com/office/powerpoint/2015/main" val="1"/>
+              </p:ext>
+            </p:extLst>
+          </p:nvPr>
+        </p:nvSpPr>
+        <p:spPr>
+          <a:xfrm>
+            <a:off x="10088880" y="0"/>
+            <a:ext cx="2103120" cy="6858000"/>
+          </a:xfrm>
+          <a:prstGeom prst="rect">
+            <a:avLst/>
+          </a:prstGeom>
+          <a:solidFill>
+            <a:srgbClr val="3A5977"/>
+          </a:solidFill>
+          <a:ln>
+            <a:noFill/>
+          </a:ln>
+        </p:spPr>
+        <p:style>
+          <a:lnRef idx="2">
+            <a:schemeClr val="accent1">
+              <a:shade val="50000"/>
+            </a:schemeClr>
+          </a:lnRef>
+          <a:fillRef idx="1">
+            <a:schemeClr val="accent1"/>
+          </a:fillRef>
+          <a:effectRef idx="0">
+            <a:schemeClr val="accent1"/>
+          </a:effectRef>
+          <a:fontRef idx="minor">
+            <a:schemeClr val="lt1"/>
+          </a:fontRef>
+        </p:style>
+        <p:txBody>
+          <a:bodyPr rtlCol="0" anchor="ctr"/>
+          <a:lstStyle/>
+          <a:p>
+            <a:pPr algn="ctr"/>
+            <a:endParaRPr lang="en-US"/>
+          </a:p>
+        </p:txBody>
+      </p:sp>
+      <p:sp>
+        <p:nvSpPr>
+          <p:cNvPr id="12" name="Oval 11">
+            <a:extLst>
+              <a:ext uri="{FF2B5EF4-FFF2-40B4-BE49-F238E27FC236}">
+                <a16:creationId xmlns:a16="http://schemas.microsoft.com/office/drawing/2014/main" id="{967D8EB6-EAE1-4F9C-B398-83321E287204}"/>
+              </a:ext>
+              <a:ext uri="{C183D7F6-B498-43B3-948B-1728B52AA6E4}">
+                <adec:decorative xmlns:adec="http://schemas.microsoft.com/office/drawing/2017/decorative" val="1"/>
+              </a:ext>
+            </a:extLst>
+          </p:cNvPr>
+          <p:cNvSpPr>
+            <a:spLocks noGrp="1" noRot="1" noChangeAspect="1" noMove="1" noResize="1" noEditPoints="1" noAdjustHandles="1" noChangeArrowheads="1" noChangeShapeType="1" noTextEdit="1"/>
+          </p:cNvSpPr>
+          <p:nvPr>
+            <p:extLst>
+              <p:ext uri="{386F3935-93C4-4BCD-93E2-E3B085C9AB24}">
+                <p16:designElem xmlns:p16="http://schemas.microsoft.com/office/powerpoint/2015/main" val="1"/>
+              </p:ext>
+            </p:extLst>
+          </p:nvPr>
+        </p:nvSpPr>
+        <p:spPr>
+          <a:xfrm>
+            <a:off x="8915400" y="2358913"/>
+            <a:ext cx="2140172" cy="2140172"/>
+          </a:xfrm>
+          <a:prstGeom prst="ellipse">
+            <a:avLst/>
+          </a:prstGeom>
+          <a:solidFill>
+            <a:srgbClr val="FFFFFF"/>
+          </a:solidFill>
+          <a:ln w="22225">
+            <a:solidFill>
+              <a:srgbClr val="FF3E00"/>
+            </a:solidFill>
+          </a:ln>
+        </p:spPr>
+        <p:style>
+          <a:lnRef idx="2">
+            <a:schemeClr val="accent1">
+              <a:shade val="50000"/>
+            </a:schemeClr>
+          </a:lnRef>
+          <a:fillRef idx="1">
+            <a:schemeClr val="accent1"/>
+          </a:fillRef>
+          <a:effectRef idx="0">
+            <a:schemeClr val="accent1"/>
+          </a:effectRef>
+          <a:fontRef idx="minor">
+            <a:schemeClr val="lt1"/>
+          </a:fontRef>
+        </p:style>
+        <p:txBody>
+          <a:bodyPr rtlCol="0" anchor="ctr"/>
+          <a:lstStyle/>
+          <a:p>
+            <a:pPr algn="ctr"/>
+            <a:endParaRPr lang="en-US"/>
+          </a:p>
+        </p:txBody>
+      </p:sp>
+      <p:pic>
+        <p:nvPicPr>
+          <p:cNvPr id="5" name="Picture 4" descr="A close up of a logo&#10;&#10;Description automatically generated">
+            <a:extLst>
+              <a:ext uri="{FF2B5EF4-FFF2-40B4-BE49-F238E27FC236}">
+                <a16:creationId xmlns:a16="http://schemas.microsoft.com/office/drawing/2014/main" id="{3DB82CF5-4316-401E-B960-7793C6D5F55B}"/>
+              </a:ext>
+            </a:extLst>
+          </p:cNvPr>
+          <p:cNvPicPr>
+            <a:picLocks noChangeAspect="1"/>
+          </p:cNvPicPr>
+          <p:nvPr/>
+        </p:nvPicPr>
+        <p:blipFill>
+          <a:blip r:embed="rId6">
+            <a:extLst>
+              <a:ext uri="{28A0092B-C50C-407E-A947-70E740481C1C}">
+                <a14:useLocalDpi xmlns:a14="http://schemas.microsoft.com/office/drawing/2010/main" val="0"/>
+              </a:ext>
+            </a:extLst>
+          </a:blip>
+          <a:stretch>
+            <a:fillRect/>
+          </a:stretch>
+        </p:blipFill>
+        <p:spPr>
+          <a:xfrm>
+            <a:off x="9254442" y="3011261"/>
+            <a:ext cx="1462088" cy="835478"/>
+          </a:xfrm>
+          <a:prstGeom prst="rect">
+            <a:avLst/>
+          </a:prstGeom>
+        </p:spPr>
+      </p:pic>
     </p:spTree>
     <p:extLst>
       <p:ext uri="{BB962C8B-B14F-4D97-AF65-F5344CB8AC3E}">
@@ -3970,6 +4192,36 @@
           </a:p>
         </p:txBody>
       </p:sp>
+      <p:pic>
+        <p:nvPicPr>
+          <p:cNvPr id="4" name="Picture 3">
+            <a:extLst>
+              <a:ext uri="{FF2B5EF4-FFF2-40B4-BE49-F238E27FC236}">
+                <a16:creationId xmlns:a16="http://schemas.microsoft.com/office/drawing/2014/main" id="{E849F654-7315-45BF-8EB3-532F93879FBA}"/>
+              </a:ext>
+            </a:extLst>
+          </p:cNvPr>
+          <p:cNvPicPr>
+            <a:picLocks noChangeAspect="1"/>
+          </p:cNvPicPr>
+          <p:nvPr/>
+        </p:nvPicPr>
+        <p:blipFill>
+          <a:blip r:embed="rId2"/>
+          <a:stretch>
+            <a:fillRect/>
+          </a:stretch>
+        </p:blipFill>
+        <p:spPr>
+          <a:xfrm>
+            <a:off x="8829206" y="0"/>
+            <a:ext cx="3362794" cy="1657581"/>
+          </a:xfrm>
+          <a:prstGeom prst="rect">
+            <a:avLst/>
+          </a:prstGeom>
+        </p:spPr>
+      </p:pic>
     </p:spTree>
     <p:extLst>
       <p:ext uri="{BB962C8B-B14F-4D97-AF65-F5344CB8AC3E}">
@@ -5682,6 +5934,14 @@
 <file path=ppt/slides/slide9.xml><?xml version="1.0" encoding="utf-8"?>
 <p:sld xmlns:a="http://schemas.openxmlformats.org/drawingml/2006/main" xmlns:r="http://schemas.openxmlformats.org/officeDocument/2006/relationships" xmlns:p="http://schemas.openxmlformats.org/presentationml/2006/main">
   <p:cSld>
+    <p:bg>
+      <p:bgPr>
+        <a:solidFill>
+          <a:schemeClr val="bg1"/>
+        </a:solidFill>
+        <a:effectLst/>
+      </p:bgPr>
+    </p:bg>
     <p:spTree>
       <p:nvGrpSpPr>
         <p:cNvPr id="1" name=""/>
@@ -5712,40 +5972,318 @@
             <p:ph type="title"/>
           </p:nvPr>
         </p:nvSpPr>
-        <p:spPr/>
-        <p:txBody>
-          <a:bodyPr/>
-          <a:lstStyle/>
+        <p:spPr>
+          <a:xfrm>
+            <a:off x="1136428" y="627564"/>
+            <a:ext cx="7474172" cy="1325563"/>
+          </a:xfrm>
+        </p:spPr>
+        <p:txBody>
+          <a:bodyPr>
+            <a:normAutofit/>
+          </a:bodyPr>
+          <a:lstStyle/>
+          <a:p>
+            <a:r>
+              <a:rPr lang="en-US" b="1" dirty="0"/>
+              <a:t>Conclusion</a:t>
+            </a:r>
+            <a:r>
+              <a:rPr lang="pl-PL" b="1" dirty="0"/>
+              <a:t>s</a:t>
+            </a:r>
+            <a:r>
+              <a:rPr lang="en-US" b="1" dirty="0"/>
+              <a:t>: </a:t>
+            </a:r>
+          </a:p>
+        </p:txBody>
+      </p:sp>
+      <p:sp>
+        <p:nvSpPr>
+          <p:cNvPr id="3" name="Content Placeholder 2">
+            <a:extLst>
+              <a:ext uri="{FF2B5EF4-FFF2-40B4-BE49-F238E27FC236}">
+                <a16:creationId xmlns:a16="http://schemas.microsoft.com/office/drawing/2014/main" id="{67859A24-94C2-4265-89E1-87B204C757A2}"/>
+              </a:ext>
+            </a:extLst>
+          </p:cNvPr>
+          <p:cNvSpPr>
+            <a:spLocks noGrp="1"/>
+          </p:cNvSpPr>
+          <p:nvPr>
+            <p:ph idx="1"/>
+          </p:nvPr>
+        </p:nvSpPr>
+        <p:spPr>
+          <a:xfrm>
+            <a:off x="1136428" y="1583175"/>
+            <a:ext cx="6467867" cy="2951747"/>
+          </a:xfrm>
+        </p:spPr>
+        <p:txBody>
+          <a:bodyPr anchor="ctr">
+            <a:normAutofit/>
+          </a:bodyPr>
+          <a:lstStyle/>
+          <a:p>
+            <a:r>
+              <a:rPr lang="pl-PL" sz="2400" dirty="0"/>
+              <a:t>Targeting a non-saturated </a:t>
+            </a:r>
+            <a:r>
+              <a:rPr lang="en-US" sz="2400" dirty="0"/>
+              <a:t>market in a state </a:t>
+            </a:r>
+            <a:r>
+              <a:rPr lang="pl-PL" sz="2400" dirty="0"/>
+              <a:t>with a strong </a:t>
+            </a:r>
+            <a:r>
+              <a:rPr lang="en-US" sz="2400" dirty="0"/>
+              <a:t>“brewing culture” is ideal. </a:t>
+            </a:r>
+          </a:p>
+          <a:p>
+            <a:r>
+              <a:rPr lang="en-US" sz="2400" dirty="0"/>
+              <a:t>IBU and ABV preferences vary by region, but have a strong center Hoppy Specter can target.</a:t>
+            </a:r>
+          </a:p>
+          <a:p>
+            <a:r>
+              <a:rPr lang="en-US" sz="2400" dirty="0"/>
+              <a:t>Brewing to a specific ABV range between 0.5 and 0.7 is likely to obtain the IBU value desired due to their strong correlation. </a:t>
+            </a:r>
+          </a:p>
+        </p:txBody>
+      </p:sp>
+      <p:sp>
+        <p:nvSpPr>
+          <p:cNvPr id="15" name="Rectangle 8">
+            <a:extLst>
+              <a:ext uri="{FF2B5EF4-FFF2-40B4-BE49-F238E27FC236}">
+                <a16:creationId xmlns:a16="http://schemas.microsoft.com/office/drawing/2014/main" id="{59A309A7-1751-4ABE-A3C1-EEC40366AD89}"/>
+              </a:ext>
+              <a:ext uri="{C183D7F6-B498-43B3-948B-1728B52AA6E4}">
+                <adec:decorative xmlns:adec="http://schemas.microsoft.com/office/drawing/2017/decorative" val="1"/>
+              </a:ext>
+            </a:extLst>
+          </p:cNvPr>
+          <p:cNvSpPr>
+            <a:spLocks noGrp="1" noRot="1" noChangeAspect="1" noMove="1" noResize="1" noEditPoints="1" noAdjustHandles="1" noChangeArrowheads="1" noChangeShapeType="1" noTextEdit="1"/>
+          </p:cNvSpPr>
+          <p:nvPr>
+            <p:extLst>
+              <p:ext uri="{386F3935-93C4-4BCD-93E2-E3B085C9AB24}">
+                <p16:designElem xmlns:p16="http://schemas.microsoft.com/office/powerpoint/2015/main" val="1"/>
+              </p:ext>
+            </p:extLst>
+          </p:nvPr>
+        </p:nvSpPr>
+        <p:spPr>
+          <a:xfrm>
+            <a:off x="10088880" y="0"/>
+            <a:ext cx="2103120" cy="6858000"/>
+          </a:xfrm>
+          <a:prstGeom prst="rect">
+            <a:avLst/>
+          </a:prstGeom>
+          <a:solidFill>
+            <a:srgbClr val="3A5977"/>
+          </a:solidFill>
+          <a:ln>
+            <a:noFill/>
+          </a:ln>
+        </p:spPr>
+        <p:style>
+          <a:lnRef idx="2">
+            <a:schemeClr val="accent1">
+              <a:shade val="50000"/>
+            </a:schemeClr>
+          </a:lnRef>
+          <a:fillRef idx="1">
+            <a:schemeClr val="accent1"/>
+          </a:fillRef>
+          <a:effectRef idx="0">
+            <a:schemeClr val="accent1"/>
+          </a:effectRef>
+          <a:fontRef idx="minor">
+            <a:schemeClr val="lt1"/>
+          </a:fontRef>
+        </p:style>
+        <p:txBody>
+          <a:bodyPr rtlCol="0" anchor="ctr"/>
+          <a:lstStyle/>
+          <a:p>
+            <a:pPr algn="ctr"/>
+            <a:endParaRPr lang="en-US"/>
+          </a:p>
+        </p:txBody>
+      </p:sp>
+      <p:sp>
+        <p:nvSpPr>
+          <p:cNvPr id="16" name="Oval 10">
+            <a:extLst>
+              <a:ext uri="{FF2B5EF4-FFF2-40B4-BE49-F238E27FC236}">
+                <a16:creationId xmlns:a16="http://schemas.microsoft.com/office/drawing/2014/main" id="{967D8EB6-EAE1-4F9C-B398-83321E287204}"/>
+              </a:ext>
+              <a:ext uri="{C183D7F6-B498-43B3-948B-1728B52AA6E4}">
+                <adec:decorative xmlns:adec="http://schemas.microsoft.com/office/drawing/2017/decorative" val="1"/>
+              </a:ext>
+            </a:extLst>
+          </p:cNvPr>
+          <p:cNvSpPr>
+            <a:spLocks noGrp="1" noRot="1" noChangeAspect="1" noMove="1" noResize="1" noEditPoints="1" noAdjustHandles="1" noChangeArrowheads="1" noChangeShapeType="1" noTextEdit="1"/>
+          </p:cNvSpPr>
+          <p:nvPr>
+            <p:extLst>
+              <p:ext uri="{386F3935-93C4-4BCD-93E2-E3B085C9AB24}">
+                <p16:designElem xmlns:p16="http://schemas.microsoft.com/office/powerpoint/2015/main" val="1"/>
+              </p:ext>
+            </p:extLst>
+          </p:nvPr>
+        </p:nvSpPr>
+        <p:spPr>
+          <a:xfrm>
+            <a:off x="8915400" y="2358913"/>
+            <a:ext cx="2140172" cy="2140172"/>
+          </a:xfrm>
+          <a:prstGeom prst="ellipse">
+            <a:avLst/>
+          </a:prstGeom>
+          <a:solidFill>
+            <a:srgbClr val="FFFFFF"/>
+          </a:solidFill>
+          <a:ln w="22225">
+            <a:solidFill>
+              <a:srgbClr val="FF3E00"/>
+            </a:solidFill>
+          </a:ln>
+        </p:spPr>
+        <p:style>
+          <a:lnRef idx="2">
+            <a:schemeClr val="accent1">
+              <a:shade val="50000"/>
+            </a:schemeClr>
+          </a:lnRef>
+          <a:fillRef idx="1">
+            <a:schemeClr val="accent1"/>
+          </a:fillRef>
+          <a:effectRef idx="0">
+            <a:schemeClr val="accent1"/>
+          </a:effectRef>
+          <a:fontRef idx="minor">
+            <a:schemeClr val="lt1"/>
+          </a:fontRef>
+        </p:style>
+        <p:txBody>
+          <a:bodyPr rtlCol="0" anchor="ctr"/>
+          <a:lstStyle/>
+          <a:p>
+            <a:pPr algn="ctr"/>
+            <a:endParaRPr lang="en-US"/>
+          </a:p>
+        </p:txBody>
+      </p:sp>
+      <p:pic>
+        <p:nvPicPr>
+          <p:cNvPr id="4" name="Picture 3">
+            <a:extLst>
+              <a:ext uri="{FF2B5EF4-FFF2-40B4-BE49-F238E27FC236}">
+                <a16:creationId xmlns:a16="http://schemas.microsoft.com/office/drawing/2014/main" id="{76D23762-2E8E-43F8-9E14-43D497232F15}"/>
+              </a:ext>
+            </a:extLst>
+          </p:cNvPr>
+          <p:cNvPicPr>
+            <a:picLocks noChangeAspect="1"/>
+          </p:cNvPicPr>
+          <p:nvPr/>
+        </p:nvPicPr>
+        <p:blipFill>
+          <a:blip r:embed="rId2"/>
+          <a:stretch>
+            <a:fillRect/>
+          </a:stretch>
+        </p:blipFill>
+        <p:spPr>
+          <a:xfrm>
+            <a:off x="9254442" y="3068655"/>
+            <a:ext cx="1462088" cy="720689"/>
+          </a:xfrm>
+          <a:prstGeom prst="rect">
+            <a:avLst/>
+          </a:prstGeom>
+        </p:spPr>
+      </p:pic>
+      <p:sp>
+        <p:nvSpPr>
+          <p:cNvPr id="5" name="TextBox 4">
+            <a:extLst>
+              <a:ext uri="{FF2B5EF4-FFF2-40B4-BE49-F238E27FC236}">
+                <a16:creationId xmlns:a16="http://schemas.microsoft.com/office/drawing/2014/main" id="{F735902A-E309-4094-814B-04B930687A58}"/>
+              </a:ext>
+            </a:extLst>
+          </p:cNvPr>
+          <p:cNvSpPr txBox="1"/>
+          <p:nvPr/>
+        </p:nvSpPr>
+        <p:spPr>
+          <a:xfrm>
+            <a:off x="585019" y="4565246"/>
+            <a:ext cx="8764721" cy="2015936"/>
+          </a:xfrm>
+          <a:prstGeom prst="rect">
+            <a:avLst/>
+          </a:prstGeom>
+          <a:solidFill>
+            <a:schemeClr val="accent1">
+              <a:lumMod val="20000"/>
+              <a:lumOff val="80000"/>
+            </a:schemeClr>
+          </a:solidFill>
+          <a:ln>
+            <a:solidFill>
+              <a:schemeClr val="tx1"/>
+            </a:solidFill>
+          </a:ln>
+        </p:spPr>
+        <p:txBody>
+          <a:bodyPr wrap="square" rtlCol="0">
+            <a:spAutoFit/>
+          </a:bodyPr>
+          <a:lstStyle/>
+          <a:p>
+            <a:r>
+              <a:rPr lang="en-US" sz="2400" b="1" dirty="0"/>
+              <a:t>Recommendation: </a:t>
+            </a:r>
+          </a:p>
+          <a:p>
+            <a:endParaRPr lang="en-US" sz="1100" b="1" dirty="0"/>
+          </a:p>
           <a:p>
             <a:r>
               <a:rPr lang="en-US" dirty="0"/>
-              <a:t>Conclusion: </a:t>
-            </a:r>
-          </a:p>
-        </p:txBody>
-      </p:sp>
-      <p:sp>
-        <p:nvSpPr>
-          <p:cNvPr id="3" name="Content Placeholder 2">
-            <a:extLst>
-              <a:ext uri="{FF2B5EF4-FFF2-40B4-BE49-F238E27FC236}">
-                <a16:creationId xmlns:a16="http://schemas.microsoft.com/office/drawing/2014/main" id="{67859A24-94C2-4265-89E1-87B204C757A2}"/>
-              </a:ext>
-            </a:extLst>
-          </p:cNvPr>
-          <p:cNvSpPr>
-            <a:spLocks noGrp="1"/>
-          </p:cNvSpPr>
-          <p:nvPr>
-            <p:ph idx="1"/>
-          </p:nvPr>
-        </p:nvSpPr>
-        <p:spPr/>
-        <p:txBody>
-          <a:bodyPr/>
-          <a:lstStyle/>
-          <a:p>
-            <a:endParaRPr lang="en-US"/>
+              <a:t>While a number of potential locations may be viable for the new “Pale as a Ghost” product, µ</a:t>
+            </a:r>
+            <a:r>
+              <a:rPr lang="en-US" dirty="0" err="1"/>
+              <a:t>nique</a:t>
+            </a:r>
+            <a:r>
+              <a:rPr lang="en-US" dirty="0"/>
+              <a:t> Data Consulting recommends Massachusetts as the primary launch location. </a:t>
+            </a:r>
+          </a:p>
+          <a:p>
+            <a:endParaRPr lang="en-US" dirty="0"/>
+          </a:p>
+          <a:p>
+            <a:r>
+              <a:rPr lang="en-US" dirty="0"/>
+              <a:t>Massachusetts offers a strong beer culture, aligned customer preference, and does not demonstrate the characteristics of a saturated market. </a:t>
+            </a:r>
           </a:p>
         </p:txBody>
       </p:sp>

--- a/Presentation.pptx
+++ b/Presentation.pptx
@@ -4116,11 +4116,13 @@
         </p:nvSpPr>
         <p:spPr/>
         <p:txBody>
-          <a:bodyPr/>
-          <a:lstStyle/>
-          <a:p>
-            <a:r>
-              <a:rPr lang="en-US" dirty="0"/>
+          <a:bodyPr>
+            <a:normAutofit/>
+          </a:bodyPr>
+          <a:lstStyle/>
+          <a:p>
+            <a:r>
+              <a:rPr lang="en-US" sz="2400" dirty="0"/>
               <a:t>Task Overview: </a:t>
             </a:r>
           </a:p>
@@ -4268,13 +4270,20 @@
             <p:ph type="title"/>
           </p:nvPr>
         </p:nvSpPr>
-        <p:spPr/>
-        <p:txBody>
-          <a:bodyPr/>
-          <a:lstStyle/>
-          <a:p>
-            <a:r>
-              <a:rPr lang="en-US" dirty="0"/>
+        <p:spPr>
+          <a:xfrm>
+            <a:off x="1602288" y="-2409"/>
+            <a:ext cx="10515600" cy="1094849"/>
+          </a:xfrm>
+        </p:spPr>
+        <p:txBody>
+          <a:bodyPr>
+            <a:normAutofit/>
+          </a:bodyPr>
+          <a:lstStyle/>
+          <a:p>
+            <a:r>
+              <a:rPr lang="en-US" sz="2400" dirty="0"/>
               <a:t>U.S. National Brewing Situational Assessment: </a:t>
             </a:r>
           </a:p>
@@ -4646,52 +4655,59 @@
             <p:ph type="title"/>
           </p:nvPr>
         </p:nvSpPr>
-        <p:spPr/>
+        <p:spPr>
+          <a:xfrm>
+            <a:off x="1295400" y="51974"/>
+            <a:ext cx="10515600" cy="1325563"/>
+          </a:xfrm>
+        </p:spPr>
+        <p:txBody>
+          <a:bodyPr>
+            <a:normAutofit/>
+          </a:bodyPr>
+          <a:lstStyle/>
+          <a:p>
+            <a:r>
+              <a:rPr lang="en-US" sz="2400" dirty="0"/>
+              <a:t>Preparing for deeper analysis: </a:t>
+            </a:r>
+          </a:p>
+        </p:txBody>
+      </p:sp>
+      <p:sp>
+        <p:nvSpPr>
+          <p:cNvPr id="3" name="Content Placeholder 2">
+            <a:extLst>
+              <a:ext uri="{FF2B5EF4-FFF2-40B4-BE49-F238E27FC236}">
+                <a16:creationId xmlns:a16="http://schemas.microsoft.com/office/drawing/2014/main" id="{FCE4F614-F84D-4A73-AC2F-74B2186BA0E6}"/>
+              </a:ext>
+            </a:extLst>
+          </p:cNvPr>
+          <p:cNvSpPr>
+            <a:spLocks noGrp="1"/>
+          </p:cNvSpPr>
+          <p:nvPr>
+            <p:ph idx="1"/>
+          </p:nvPr>
+        </p:nvSpPr>
+        <p:spPr>
+          <a:xfrm>
+            <a:off x="838200" y="1434230"/>
+            <a:ext cx="10515600" cy="4530644"/>
+          </a:xfrm>
+        </p:spPr>
         <p:txBody>
           <a:bodyPr/>
           <a:lstStyle/>
           <a:p>
             <a:r>
-              <a:rPr lang="en-US" dirty="0"/>
-              <a:t>Preparing for deeper analysis: </a:t>
-            </a:r>
-          </a:p>
-        </p:txBody>
-      </p:sp>
-      <p:sp>
-        <p:nvSpPr>
-          <p:cNvPr id="3" name="Content Placeholder 2">
-            <a:extLst>
-              <a:ext uri="{FF2B5EF4-FFF2-40B4-BE49-F238E27FC236}">
-                <a16:creationId xmlns:a16="http://schemas.microsoft.com/office/drawing/2014/main" id="{FCE4F614-F84D-4A73-AC2F-74B2186BA0E6}"/>
-              </a:ext>
-            </a:extLst>
-          </p:cNvPr>
-          <p:cNvSpPr>
-            <a:spLocks noGrp="1"/>
-          </p:cNvSpPr>
-          <p:nvPr>
-            <p:ph idx="1"/>
-          </p:nvPr>
-        </p:nvSpPr>
-        <p:spPr>
-          <a:xfrm>
-            <a:off x="838200" y="1613536"/>
-            <a:ext cx="10515600" cy="4351338"/>
-          </a:xfrm>
-        </p:spPr>
-        <p:txBody>
-          <a:bodyPr/>
-          <a:lstStyle/>
-          <a:p>
-            <a:r>
-              <a:rPr lang="en-US" dirty="0"/>
+              <a:rPr lang="en-US" sz="2000" dirty="0"/>
               <a:t>Unique Consulting drew upon multiple data sets to best inform our decision making. Unfortunately, this data required some work. </a:t>
             </a:r>
           </a:p>
           <a:p>
             <a:r>
-              <a:rPr lang="en-US" dirty="0"/>
+              <a:rPr lang="en-US" sz="2000" dirty="0"/>
               <a:t>No billable hours were spent on these tasks. Tasks included:</a:t>
             </a:r>
           </a:p>
@@ -4701,29 +4717,29 @@
           <a:p>
             <a:pPr lvl="1"/>
             <a:r>
-              <a:rPr lang="en-US" dirty="0"/>
+              <a:rPr lang="en-US" sz="1800" dirty="0"/>
               <a:t>Combining like data sets</a:t>
             </a:r>
           </a:p>
           <a:p>
             <a:pPr lvl="1"/>
-            <a:endParaRPr lang="en-US" dirty="0"/>
+            <a:endParaRPr lang="en-US" sz="1800" dirty="0"/>
           </a:p>
           <a:p>
             <a:pPr lvl="1"/>
             <a:r>
-              <a:rPr lang="en-US" dirty="0"/>
+              <a:rPr lang="en-US" sz="1800" dirty="0"/>
               <a:t>Identifying missing data from client provided data</a:t>
             </a:r>
           </a:p>
           <a:p>
             <a:pPr lvl="1"/>
-            <a:endParaRPr lang="en-US" dirty="0"/>
+            <a:endParaRPr lang="en-US" sz="1800" dirty="0"/>
           </a:p>
           <a:p>
             <a:pPr lvl="1"/>
             <a:r>
-              <a:rPr lang="en-US" dirty="0"/>
+              <a:rPr lang="en-US" sz="1800" dirty="0"/>
               <a:t>Ensuring all data were properly formatted for analysis</a:t>
             </a:r>
           </a:p>
@@ -5071,7 +5087,12 @@
             <p:ph type="title"/>
           </p:nvPr>
         </p:nvSpPr>
-        <p:spPr/>
+        <p:spPr>
+          <a:xfrm>
+            <a:off x="1003470" y="-30953"/>
+            <a:ext cx="10515600" cy="735148"/>
+          </a:xfrm>
+        </p:spPr>
         <p:txBody>
           <a:bodyPr>
             <a:normAutofit/>
@@ -5079,8 +5100,20 @@
           <a:lstStyle/>
           <a:p>
             <a:r>
-              <a:rPr lang="en-US" sz="4000" dirty="0"/>
-              <a:t>Market Analysis: Regional Preference for IBU / ABV</a:t>
+              <a:rPr lang="en-US" sz="2400" b="1" dirty="0"/>
+              <a:t>Market Analysis: Regional Preference for IBU </a:t>
+            </a:r>
+            <a:r>
+              <a:rPr lang="en-US" sz="1000" b="1" dirty="0"/>
+              <a:t>(Bitterness measure)</a:t>
+            </a:r>
+            <a:r>
+              <a:rPr lang="en-US" sz="2400" b="1" dirty="0"/>
+              <a:t> / ABV </a:t>
+            </a:r>
+            <a:r>
+              <a:rPr lang="en-US" sz="1050" b="1" dirty="0"/>
+              <a:t>(Alcohol content measure)</a:t>
             </a:r>
           </a:p>
         </p:txBody>
@@ -5159,7 +5192,7 @@
         </p:nvSpPr>
         <p:spPr>
           <a:xfrm>
-            <a:off x="1299861" y="1475166"/>
+            <a:off x="1382181" y="1471038"/>
             <a:ext cx="792205" cy="584775"/>
           </a:xfrm>
           <a:prstGeom prst="rect">
@@ -5545,6 +5578,66 @@
           </a:p>
         </p:txBody>
       </p:sp>
+      <p:pic>
+        <p:nvPicPr>
+          <p:cNvPr id="3" name="Picture 2">
+            <a:extLst>
+              <a:ext uri="{FF2B5EF4-FFF2-40B4-BE49-F238E27FC236}">
+                <a16:creationId xmlns:a16="http://schemas.microsoft.com/office/drawing/2014/main" id="{21388683-76BF-45BA-929F-1C43FE4CA5BB}"/>
+              </a:ext>
+            </a:extLst>
+          </p:cNvPr>
+          <p:cNvPicPr>
+            <a:picLocks noChangeAspect="1"/>
+          </p:cNvPicPr>
+          <p:nvPr/>
+        </p:nvPicPr>
+        <p:blipFill>
+          <a:blip r:embed="rId6"/>
+          <a:stretch>
+            <a:fillRect/>
+          </a:stretch>
+        </p:blipFill>
+        <p:spPr>
+          <a:xfrm>
+            <a:off x="9901154" y="891321"/>
+            <a:ext cx="1336186" cy="718750"/>
+          </a:xfrm>
+          <a:prstGeom prst="rect">
+            <a:avLst/>
+          </a:prstGeom>
+        </p:spPr>
+      </p:pic>
+      <p:pic>
+        <p:nvPicPr>
+          <p:cNvPr id="15" name="Picture 14">
+            <a:extLst>
+              <a:ext uri="{FF2B5EF4-FFF2-40B4-BE49-F238E27FC236}">
+                <a16:creationId xmlns:a16="http://schemas.microsoft.com/office/drawing/2014/main" id="{0E50DE61-1D25-4C44-9765-7BE4114A8249}"/>
+              </a:ext>
+            </a:extLst>
+          </p:cNvPr>
+          <p:cNvPicPr>
+            <a:picLocks noChangeAspect="1"/>
+          </p:cNvPicPr>
+          <p:nvPr/>
+        </p:nvPicPr>
+        <p:blipFill>
+          <a:blip r:embed="rId7"/>
+          <a:stretch>
+            <a:fillRect/>
+          </a:stretch>
+        </p:blipFill>
+        <p:spPr>
+          <a:xfrm>
+            <a:off x="1123134" y="704195"/>
+            <a:ext cx="1487331" cy="792492"/>
+          </a:xfrm>
+          <a:prstGeom prst="rect">
+            <a:avLst/>
+          </a:prstGeom>
+        </p:spPr>
+      </p:pic>
     </p:spTree>
     <p:extLst>
       <p:ext uri="{BB962C8B-B14F-4D97-AF65-F5344CB8AC3E}">

--- a/Presentation.pptx
+++ b/Presentation.pptx
@@ -4146,7 +4146,9 @@
         </p:nvSpPr>
         <p:spPr/>
         <p:txBody>
-          <a:bodyPr/>
+          <a:bodyPr>
+            <a:normAutofit lnSpcReduction="10000"/>
+          </a:bodyPr>
           <a:lstStyle/>
           <a:p>
             <a:pPr marL="0" indent="0">
@@ -4156,6 +4158,18 @@
               <a:rPr lang="en-US" dirty="0"/>
               <a:t>Client request: </a:t>
             </a:r>
+          </a:p>
+          <a:p>
+            <a:pPr marL="0" indent="0">
+              <a:buNone/>
+            </a:pPr>
+            <a:endParaRPr lang="en-US" dirty="0"/>
+          </a:p>
+          <a:p>
+            <a:pPr marL="0" indent="0">
+              <a:buNone/>
+            </a:pPr>
+            <a:endParaRPr lang="en-US" dirty="0"/>
           </a:p>
           <a:p>
             <a:pPr lvl="1"/>
@@ -4216,8 +4230,38 @@
         </p:blipFill>
         <p:spPr>
           <a:xfrm>
-            <a:off x="8829206" y="0"/>
-            <a:ext cx="3362794" cy="1657581"/>
+            <a:off x="9331890" y="169102"/>
+            <a:ext cx="2810006" cy="897332"/>
+          </a:xfrm>
+          <a:prstGeom prst="rect">
+            <a:avLst/>
+          </a:prstGeom>
+        </p:spPr>
+      </p:pic>
+      <p:pic>
+        <p:nvPicPr>
+          <p:cNvPr id="5" name="Picture 4">
+            <a:extLst>
+              <a:ext uri="{FF2B5EF4-FFF2-40B4-BE49-F238E27FC236}">
+                <a16:creationId xmlns:a16="http://schemas.microsoft.com/office/drawing/2014/main" id="{C415897F-D12C-4A78-B41B-B6E3AA252311}"/>
+              </a:ext>
+            </a:extLst>
+          </p:cNvPr>
+          <p:cNvPicPr>
+            <a:picLocks noChangeAspect="1"/>
+          </p:cNvPicPr>
+          <p:nvPr/>
+        </p:nvPicPr>
+        <p:blipFill>
+          <a:blip r:embed="rId3"/>
+          <a:stretch>
+            <a:fillRect/>
+          </a:stretch>
+        </p:blipFill>
+        <p:spPr>
+          <a:xfrm>
+            <a:off x="3973308" y="1690688"/>
+            <a:ext cx="2611848" cy="1521896"/>
           </a:xfrm>
           <a:prstGeom prst="rect">
             <a:avLst/>
@@ -4283,7 +4327,7 @@
           <a:lstStyle/>
           <a:p>
             <a:r>
-              <a:rPr lang="en-US" sz="2400" dirty="0"/>
+              <a:rPr lang="en-US" sz="2400" b="1" dirty="0"/>
               <a:t>U.S. National Brewing Situational Assessment: </a:t>
             </a:r>
           </a:p>
@@ -4312,11 +4356,13 @@
           </a:xfrm>
         </p:spPr>
         <p:txBody>
-          <a:bodyPr/>
-          <a:lstStyle/>
-          <a:p>
-            <a:r>
-              <a:rPr lang="en-US" dirty="0"/>
+          <a:bodyPr>
+            <a:normAutofit/>
+          </a:bodyPr>
+          <a:lstStyle/>
+          <a:p>
+            <a:r>
+              <a:rPr lang="en-US" sz="2000" dirty="0"/>
               <a:t>While recent years have seen a significant increase in the number of breweries in each state, market opportunities still exist.</a:t>
             </a:r>
           </a:p>
@@ -5686,11 +5732,13 @@
         </p:nvSpPr>
         <p:spPr/>
         <p:txBody>
-          <a:bodyPr/>
-          <a:lstStyle/>
-          <a:p>
-            <a:r>
-              <a:rPr lang="en-US" dirty="0"/>
+          <a:bodyPr>
+            <a:normAutofit/>
+          </a:bodyPr>
+          <a:lstStyle/>
+          <a:p>
+            <a:r>
+              <a:rPr lang="en-US" sz="2400" dirty="0"/>
               <a:t>U.S.-wide Assessment of Alcohol by Volume</a:t>
             </a:r>
           </a:p>
@@ -5718,8 +5766,8 @@
         </p:blipFill>
         <p:spPr>
           <a:xfrm>
-            <a:off x="1840940" y="2633445"/>
-            <a:ext cx="8332319" cy="895032"/>
+            <a:off x="1840941" y="3181683"/>
+            <a:ext cx="4854222" cy="346793"/>
           </a:xfrm>
           <a:prstGeom prst="rect">
             <a:avLst/>
@@ -5741,7 +5789,7 @@
         <p:spPr>
           <a:xfrm>
             <a:off x="838200" y="1746568"/>
-            <a:ext cx="10337800" cy="830997"/>
+            <a:ext cx="10337800" cy="769441"/>
           </a:xfrm>
           <a:prstGeom prst="rect">
             <a:avLst/>
@@ -5755,8 +5803,12 @@
           <a:lstStyle/>
           <a:p>
             <a:r>
+              <a:rPr lang="en-US" sz="2000" dirty="0"/>
+              <a:t>At the client’s request, an individual assessment of Alcohol by Volume was also conducted. The summary statistics are helpful, but are best viewed in a boxplot</a:t>
+            </a:r>
+            <a:r>
               <a:rPr lang="en-US" sz="2400" dirty="0"/>
-              <a:t>At the client’s request, an individual assessment of Alcohol by Volume was also conducted. The summary statistics are helpful, but are best viewed in a boxplot. </a:t>
+              <a:t>. </a:t>
             </a:r>
           </a:p>
         </p:txBody>
@@ -5806,7 +5858,7 @@
         <p:spPr>
           <a:xfrm>
             <a:off x="4846735" y="4117976"/>
-            <a:ext cx="6877905" cy="923330"/>
+            <a:ext cx="6877905" cy="1323439"/>
           </a:xfrm>
           <a:prstGeom prst="rect">
             <a:avLst/>
@@ -5820,7 +5872,7 @@
           <a:lstStyle/>
           <a:p>
             <a:r>
-              <a:rPr lang="en-US" dirty="0"/>
+              <a:rPr lang="en-US" sz="2000" dirty="0"/>
               <a:t>From these results, we can determine that a full 50% of the measured beers have ABV between 0.05 and 0.07. If Hoppy Specter’s “Pale as a Ghost” product remains within this range, it should be successful. </a:t>
             </a:r>
           </a:p>
@@ -5840,7 +5892,7 @@
         </p:nvSpPr>
         <p:spPr>
           <a:xfrm>
-            <a:off x="4846734" y="5298299"/>
+            <a:off x="4846735" y="5846249"/>
             <a:ext cx="6877905" cy="369332"/>
           </a:xfrm>
           <a:prstGeom prst="rect">
@@ -5907,13 +5959,20 @@
             <p:ph type="title"/>
           </p:nvPr>
         </p:nvSpPr>
-        <p:spPr/>
-        <p:txBody>
-          <a:bodyPr/>
-          <a:lstStyle/>
-          <a:p>
-            <a:r>
-              <a:rPr lang="en-US" dirty="0"/>
+        <p:spPr>
+          <a:xfrm>
+            <a:off x="2009384" y="102078"/>
+            <a:ext cx="10515600" cy="1325563"/>
+          </a:xfrm>
+        </p:spPr>
+        <p:txBody>
+          <a:bodyPr>
+            <a:normAutofit/>
+          </a:bodyPr>
+          <a:lstStyle/>
+          <a:p>
+            <a:r>
+              <a:rPr lang="en-US" sz="2400" b="1" dirty="0"/>
               <a:t>Relationship between Bitterness and Alcohol By Volume</a:t>
             </a:r>
           </a:p>
@@ -5941,8 +6000,8 @@
         </p:blipFill>
         <p:spPr>
           <a:xfrm>
-            <a:off x="0" y="1813780"/>
-            <a:ext cx="7116168" cy="4772691"/>
+            <a:off x="0" y="2135688"/>
+            <a:ext cx="6636197" cy="4450783"/>
           </a:xfrm>
           <a:prstGeom prst="rect">
             <a:avLst/>
